--- a/3-Machine Learning/1-Supervisado/2-Logistic Regression/ML - Logistic Regression.pptx
+++ b/3-Machine Learning/1-Supervisado/2-Logistic Regression/ML - Logistic Regression.pptx
@@ -15,6 +15,7 @@
     <p:sldId id="260" r:id="rId9"/>
     <p:sldId id="261" r:id="rId10"/>
     <p:sldId id="262" r:id="rId11"/>
+    <p:sldId id="263" r:id="rId12"/>
   </p:sldIdLst>
   <p:sldSz cy="6858000" cx="12192000"/>
   <p:notesSz cx="6858000" cy="9144000"/>
@@ -249,7 +250,7 @@
   </p:defaultTextStyle>
   <p:extLst>
     <p:ext uri="http://customooxmlschemas.google.com/">
-      <go:slidesCustomData xmlns:go="http://customooxmlschemas.google.com/" r:id="rId12" roundtripDataSignature="AMtx7mg+wy8EWIsmWdpCURM5ak3Z6HBPww=="/>
+      <go:slidesCustomData xmlns:go="http://customooxmlschemas.google.com/" r:id="rId13" roundtripDataSignature="AMtx7mgMeQZ5OQCIDOpHnRosGWuJoQwxjA=="/>
     </p:ext>
   </p:extLst>
 </p:presentation>
@@ -1469,7 +1470,7 @@
       </p:grpSpPr>
       <p:sp>
         <p:nvSpPr>
-          <p:cNvPr id="79" name="Google Shape;79;p3:notes"/>
+          <p:cNvPr id="79" name="Google Shape;79;p6:notes"/>
           <p:cNvSpPr/>
           <p:nvPr>
             <p:ph idx="2" type="sldImg"/>
@@ -1508,7 +1509,7 @@
       </p:sp>
       <p:sp>
         <p:nvSpPr>
-          <p:cNvPr id="80" name="Google Shape;80;p3:notes"/>
+          <p:cNvPr id="80" name="Google Shape;80;p6:notes"/>
           <p:cNvSpPr txBox="1"/>
           <p:nvPr>
             <p:ph idx="1" type="body"/>
@@ -1556,7 +1557,7 @@
       </p:sp>
       <p:sp>
         <p:nvSpPr>
-          <p:cNvPr id="81" name="Google Shape;81;p3:notes"/>
+          <p:cNvPr id="81" name="Google Shape;81;p6:notes"/>
           <p:cNvSpPr txBox="1"/>
           <p:nvPr/>
         </p:nvSpPr>
@@ -1622,7 +1623,7 @@
   <p:cSld>
     <p:spTree>
       <p:nvGrpSpPr>
-        <p:cNvPr id="86" name="Shape 86"/>
+        <p:cNvPr id="85" name="Shape 85"/>
         <p:cNvGrpSpPr/>
         <p:nvPr/>
       </p:nvGrpSpPr>
@@ -1636,7 +1637,7 @@
       </p:grpSpPr>
       <p:sp>
         <p:nvSpPr>
-          <p:cNvPr id="87" name="Google Shape;87;p4:notes"/>
+          <p:cNvPr id="86" name="Google Shape;86;p3:notes"/>
           <p:cNvSpPr/>
           <p:nvPr>
             <p:ph idx="2" type="sldImg"/>
@@ -1675,7 +1676,7 @@
       </p:sp>
       <p:sp>
         <p:nvSpPr>
-          <p:cNvPr id="88" name="Google Shape;88;p4:notes"/>
+          <p:cNvPr id="87" name="Google Shape;87;p3:notes"/>
           <p:cNvSpPr txBox="1"/>
           <p:nvPr>
             <p:ph idx="1" type="body"/>
@@ -1723,7 +1724,7 @@
       </p:sp>
       <p:sp>
         <p:nvSpPr>
-          <p:cNvPr id="89" name="Google Shape;89;p4:notes"/>
+          <p:cNvPr id="88" name="Google Shape;88;p3:notes"/>
           <p:cNvSpPr txBox="1"/>
           <p:nvPr/>
         </p:nvSpPr>
@@ -1789,7 +1790,7 @@
   <p:cSld>
     <p:spTree>
       <p:nvGrpSpPr>
-        <p:cNvPr id="94" name="Shape 94"/>
+        <p:cNvPr id="93" name="Shape 93"/>
         <p:cNvGrpSpPr/>
         <p:nvPr/>
       </p:nvGrpSpPr>
@@ -1803,7 +1804,7 @@
       </p:grpSpPr>
       <p:sp>
         <p:nvSpPr>
-          <p:cNvPr id="95" name="Google Shape;95;p6:notes"/>
+          <p:cNvPr id="94" name="Google Shape;94;p4:notes"/>
           <p:cNvSpPr/>
           <p:nvPr>
             <p:ph idx="2" type="sldImg"/>
@@ -1842,7 +1843,7 @@
       </p:sp>
       <p:sp>
         <p:nvSpPr>
-          <p:cNvPr id="96" name="Google Shape;96;p6:notes"/>
+          <p:cNvPr id="95" name="Google Shape;95;p4:notes"/>
           <p:cNvSpPr txBox="1"/>
           <p:nvPr>
             <p:ph idx="1" type="body"/>
@@ -1890,7 +1891,7 @@
       </p:sp>
       <p:sp>
         <p:nvSpPr>
-          <p:cNvPr id="97" name="Google Shape;97;p6:notes"/>
+          <p:cNvPr id="96" name="Google Shape;96;p4:notes"/>
           <p:cNvSpPr txBox="1"/>
           <p:nvPr/>
         </p:nvSpPr>
@@ -2137,7 +2138,174 @@
       </p:grpSpPr>
       <p:sp>
         <p:nvSpPr>
-          <p:cNvPr id="110" name="Google Shape;110;p9:notes"/>
+          <p:cNvPr id="110" name="Google Shape;110;ga8a5ec0735_0_1:notes"/>
+          <p:cNvSpPr/>
+          <p:nvPr>
+            <p:ph idx="2" type="sldImg"/>
+          </p:nvPr>
+        </p:nvSpPr>
+        <p:spPr>
+          <a:xfrm>
+            <a:off x="685800" y="1143000"/>
+            <a:ext cx="5486100" cy="3085800"/>
+          </a:xfrm>
+          <a:custGeom>
+            <a:rect b="b" l="l" r="r" t="t"/>
+            <a:pathLst>
+              <a:path extrusionOk="0" h="120000" w="120000">
+                <a:moveTo>
+                  <a:pt x="0" y="0"/>
+                </a:moveTo>
+                <a:lnTo>
+                  <a:pt x="120000" y="0"/>
+                </a:lnTo>
+                <a:lnTo>
+                  <a:pt x="120000" y="120000"/>
+                </a:lnTo>
+                <a:lnTo>
+                  <a:pt x="0" y="120000"/>
+                </a:lnTo>
+                <a:close/>
+              </a:path>
+            </a:pathLst>
+          </a:custGeom>
+          <a:noFill/>
+          <a:ln>
+            <a:noFill/>
+          </a:ln>
+        </p:spPr>
+      </p:sp>
+      <p:sp>
+        <p:nvSpPr>
+          <p:cNvPr id="111" name="Google Shape;111;ga8a5ec0735_0_1:notes"/>
+          <p:cNvSpPr txBox="1"/>
+          <p:nvPr>
+            <p:ph idx="1" type="body"/>
+          </p:nvPr>
+        </p:nvSpPr>
+        <p:spPr>
+          <a:xfrm>
+            <a:off x="685800" y="4400640"/>
+            <a:ext cx="5486100" cy="3600000"/>
+          </a:xfrm>
+          <a:prstGeom prst="rect">
+            <a:avLst/>
+          </a:prstGeom>
+          <a:noFill/>
+          <a:ln>
+            <a:noFill/>
+          </a:ln>
+        </p:spPr>
+        <p:txBody>
+          <a:bodyPr anchorCtr="0" anchor="t" bIns="0" lIns="0" spcFirstLastPara="1" rIns="0" wrap="square" tIns="0">
+            <a:noAutofit/>
+          </a:bodyPr>
+          <a:lstStyle/>
+          <a:p>
+            <a:pPr indent="0" lvl="0" marL="0" rtl="0" algn="l">
+              <a:spcBef>
+                <a:spcPts val="0"/>
+              </a:spcBef>
+              <a:spcAft>
+                <a:spcPts val="0"/>
+              </a:spcAft>
+              <a:buNone/>
+            </a:pPr>
+            <a:r>
+              <a:t/>
+            </a:r>
+            <a:endParaRPr b="0" sz="2000" strike="noStrike">
+              <a:latin typeface="Arial"/>
+              <a:ea typeface="Arial"/>
+              <a:cs typeface="Arial"/>
+              <a:sym typeface="Arial"/>
+            </a:endParaRPr>
+          </a:p>
+        </p:txBody>
+      </p:sp>
+      <p:sp>
+        <p:nvSpPr>
+          <p:cNvPr id="112" name="Google Shape;112;ga8a5ec0735_0_1:notes"/>
+          <p:cNvSpPr txBox="1"/>
+          <p:nvPr/>
+        </p:nvSpPr>
+        <p:spPr>
+          <a:xfrm>
+            <a:off x="3884760" y="8685360"/>
+            <a:ext cx="2971500" cy="458400"/>
+          </a:xfrm>
+          <a:prstGeom prst="rect">
+            <a:avLst/>
+          </a:prstGeom>
+          <a:noFill/>
+          <a:ln>
+            <a:noFill/>
+          </a:ln>
+        </p:spPr>
+        <p:txBody>
+          <a:bodyPr anchorCtr="0" anchor="b" bIns="45700" lIns="91425" spcFirstLastPara="1" rIns="91425" wrap="square" tIns="45700">
+            <a:noAutofit/>
+          </a:bodyPr>
+          <a:lstStyle/>
+          <a:p>
+            <a:pPr indent="0" lvl="0" marL="0" marR="0" rtl="0" algn="r">
+              <a:lnSpc>
+                <a:spcPct val="100000"/>
+              </a:lnSpc>
+              <a:spcBef>
+                <a:spcPts val="0"/>
+              </a:spcBef>
+              <a:spcAft>
+                <a:spcPts val="0"/>
+              </a:spcAft>
+              <a:buNone/>
+            </a:pPr>
+            <a:fld id="{00000000-1234-1234-1234-123412341234}" type="slidenum">
+              <a:rPr b="0" lang="es-ES" sz="1200" strike="noStrike">
+                <a:latin typeface="Times New Roman"/>
+                <a:ea typeface="Times New Roman"/>
+                <a:cs typeface="Times New Roman"/>
+                <a:sym typeface="Times New Roman"/>
+              </a:rPr>
+              <a:t>‹#›</a:t>
+            </a:fld>
+            <a:endParaRPr b="0" sz="1200" strike="noStrike">
+              <a:latin typeface="Times New Roman"/>
+              <a:ea typeface="Times New Roman"/>
+              <a:cs typeface="Times New Roman"/>
+              <a:sym typeface="Times New Roman"/>
+            </a:endParaRPr>
+          </a:p>
+        </p:txBody>
+      </p:sp>
+    </p:spTree>
+  </p:cSld>
+  <p:clrMapOvr>
+    <a:masterClrMapping/>
+  </p:clrMapOvr>
+</p:notes>
+</file>
+
+<file path=ppt/notesSlides/notesSlide8.xml><?xml version="1.0" encoding="utf-8"?>
+<p:notes xmlns:a="http://schemas.openxmlformats.org/drawingml/2006/main" xmlns:r="http://schemas.openxmlformats.org/officeDocument/2006/relationships" xmlns:mc="http://schemas.openxmlformats.org/markup-compatibility/2006" xmlns:mv="urn:schemas-microsoft-com:mac:vml" xmlns:p="http://schemas.openxmlformats.org/presentationml/2006/main" xmlns:c="http://schemas.openxmlformats.org/drawingml/2006/chart" xmlns:dgm="http://schemas.openxmlformats.org/drawingml/2006/diagram" xmlns:o="urn:schemas-microsoft-com:office:office" xmlns:v="urn:schemas-microsoft-com:vml" xmlns:pvml="urn:schemas-microsoft-com:office:powerpoint" xmlns:com="http://schemas.openxmlformats.org/drawingml/2006/compatibility" xmlns:p14="http://schemas.microsoft.com/office/powerpoint/2010/main" xmlns:p15="http://schemas.microsoft.com/office/powerpoint/2012/main" xmlns:ahyp="http://schemas.microsoft.com/office/drawing/2018/hyperlinkcolor" showMasterPhAnim="0" showMasterSp="0">
+  <p:cSld>
+    <p:spTree>
+      <p:nvGrpSpPr>
+        <p:cNvPr id="117" name="Shape 117"/>
+        <p:cNvGrpSpPr/>
+        <p:nvPr/>
+      </p:nvGrpSpPr>
+      <p:grpSpPr>
+        <a:xfrm>
+          <a:off x="0" y="0"/>
+          <a:ext cx="0" cy="0"/>
+          <a:chOff x="0" y="0"/>
+          <a:chExt cx="0" cy="0"/>
+        </a:xfrm>
+      </p:grpSpPr>
+      <p:sp>
+        <p:nvSpPr>
+          <p:cNvPr id="118" name="Google Shape;118;p9:notes"/>
           <p:cNvSpPr/>
           <p:nvPr>
             <p:ph idx="2" type="sldImg"/>
@@ -2176,7 +2344,7 @@
       </p:sp>
       <p:sp>
         <p:nvSpPr>
-          <p:cNvPr id="111" name="Google Shape;111;p9:notes"/>
+          <p:cNvPr id="119" name="Google Shape;119;p9:notes"/>
           <p:cNvSpPr txBox="1"/>
           <p:nvPr>
             <p:ph idx="1" type="body"/>
@@ -2224,7 +2392,7 @@
       </p:sp>
       <p:sp>
         <p:nvSpPr>
-          <p:cNvPr id="112" name="Google Shape;112;p9:notes"/>
+          <p:cNvPr id="120" name="Google Shape;120;p9:notes"/>
           <p:cNvSpPr txBox="1"/>
           <p:nvPr/>
         </p:nvSpPr>
@@ -9443,7 +9611,120 @@
       </p:grpSpPr>
       <p:sp>
         <p:nvSpPr>
-          <p:cNvPr id="83" name="Google Shape;83;p3"/>
+          <p:cNvPr id="83" name="Google Shape;83;p6"/>
+          <p:cNvSpPr txBox="1"/>
+          <p:nvPr/>
+        </p:nvSpPr>
+        <p:spPr>
+          <a:xfrm>
+            <a:off x="838080" y="365040"/>
+            <a:ext cx="10515240" cy="1325160"/>
+          </a:xfrm>
+          <a:prstGeom prst="rect">
+            <a:avLst/>
+          </a:prstGeom>
+          <a:noFill/>
+          <a:ln>
+            <a:noFill/>
+          </a:ln>
+        </p:spPr>
+        <p:txBody>
+          <a:bodyPr anchorCtr="0" anchor="ctr" bIns="45700" lIns="91425" spcFirstLastPara="1" rIns="91425" wrap="square" tIns="45700">
+            <a:noAutofit/>
+          </a:bodyPr>
+          <a:lstStyle/>
+          <a:p>
+            <a:pPr indent="0" lvl="0" marL="0" marR="0" rtl="0" algn="l">
+              <a:lnSpc>
+                <a:spcPct val="90000"/>
+              </a:lnSpc>
+              <a:spcBef>
+                <a:spcPts val="0"/>
+              </a:spcBef>
+              <a:spcAft>
+                <a:spcPts val="0"/>
+              </a:spcAft>
+              <a:buNone/>
+            </a:pPr>
+            <a:r>
+              <a:rPr b="0" lang="es-ES" sz="4400" strike="noStrike">
+                <a:solidFill>
+                  <a:srgbClr val="FF0000"/>
+                </a:solidFill>
+                <a:latin typeface="Calibri"/>
+                <a:ea typeface="Calibri"/>
+                <a:cs typeface="Calibri"/>
+                <a:sym typeface="Calibri"/>
+              </a:rPr>
+              <a:t>Regresión logística vs Regresión lineal</a:t>
+            </a:r>
+            <a:endParaRPr b="0" sz="4400" strike="noStrike">
+              <a:solidFill>
+                <a:srgbClr val="FFFFFF"/>
+              </a:solidFill>
+              <a:latin typeface="Calibri"/>
+              <a:ea typeface="Calibri"/>
+              <a:cs typeface="Calibri"/>
+              <a:sym typeface="Calibri"/>
+            </a:endParaRPr>
+          </a:p>
+        </p:txBody>
+      </p:sp>
+      <p:pic>
+        <p:nvPicPr>
+          <p:cNvPr descr="Introduction to Logistic Regression | by Ayush Pant | Towards Data Science" id="84" name="Google Shape;84;p6"/>
+          <p:cNvPicPr preferRelativeResize="0"/>
+          <p:nvPr/>
+        </p:nvPicPr>
+        <p:blipFill rotWithShape="1">
+          <a:blip r:embed="rId3">
+            <a:alphaModFix/>
+          </a:blip>
+          <a:srcRect b="0" l="0" r="0" t="0"/>
+          <a:stretch/>
+        </p:blipFill>
+        <p:spPr>
+          <a:xfrm>
+            <a:off x="1497240" y="1690560"/>
+            <a:ext cx="9759240" cy="4323960"/>
+          </a:xfrm>
+          <a:prstGeom prst="rect">
+            <a:avLst/>
+          </a:prstGeom>
+          <a:noFill/>
+          <a:ln>
+            <a:noFill/>
+          </a:ln>
+        </p:spPr>
+      </p:pic>
+    </p:spTree>
+  </p:cSld>
+  <p:clrMapOvr>
+    <a:masterClrMapping/>
+  </p:clrMapOvr>
+</p:sld>
+</file>
+
+<file path=ppt/slides/slide4.xml><?xml version="1.0" encoding="utf-8"?>
+<p:sld xmlns:a="http://schemas.openxmlformats.org/drawingml/2006/main" xmlns:r="http://schemas.openxmlformats.org/officeDocument/2006/relationships" xmlns:mc="http://schemas.openxmlformats.org/markup-compatibility/2006" xmlns:mv="urn:schemas-microsoft-com:mac:vml" xmlns:p="http://schemas.openxmlformats.org/presentationml/2006/main" xmlns:c="http://schemas.openxmlformats.org/drawingml/2006/chart" xmlns:dgm="http://schemas.openxmlformats.org/drawingml/2006/diagram" xmlns:o="urn:schemas-microsoft-com:office:office" xmlns:v="urn:schemas-microsoft-com:vml" xmlns:pvml="urn:schemas-microsoft-com:office:powerpoint" xmlns:com="http://schemas.openxmlformats.org/drawingml/2006/compatibility" xmlns:p14="http://schemas.microsoft.com/office/powerpoint/2010/main" xmlns:p15="http://schemas.microsoft.com/office/powerpoint/2012/main" xmlns:ahyp="http://schemas.microsoft.com/office/drawing/2018/hyperlinkcolor">
+  <p:cSld>
+    <p:spTree>
+      <p:nvGrpSpPr>
+        <p:cNvPr id="89" name="Shape 89"/>
+        <p:cNvGrpSpPr/>
+        <p:nvPr/>
+      </p:nvGrpSpPr>
+      <p:grpSpPr>
+        <a:xfrm>
+          <a:off x="0" y="0"/>
+          <a:ext cx="0" cy="0"/>
+          <a:chOff x="0" y="0"/>
+          <a:chExt cx="0" cy="0"/>
+        </a:xfrm>
+      </p:grpSpPr>
+      <p:sp>
+        <p:nvSpPr>
+          <p:cNvPr id="90" name="Google Shape;90;p3"/>
           <p:cNvSpPr txBox="1"/>
           <p:nvPr/>
         </p:nvSpPr>
@@ -9504,7 +9785,7 @@
       </p:sp>
       <p:sp>
         <p:nvSpPr>
-          <p:cNvPr id="84" name="Google Shape;84;p3"/>
+          <p:cNvPr id="91" name="Google Shape;91;p3"/>
           <p:cNvSpPr txBox="1"/>
           <p:nvPr/>
         </p:nvSpPr>
@@ -9754,7 +10035,7 @@
       </p:sp>
       <p:pic>
         <p:nvPicPr>
-          <p:cNvPr descr="Regresión Logística para Clasificación - IArtificial.net" id="85" name="Google Shape;85;p3"/>
+          <p:cNvPr descr="Regresión Logística para Clasificación - IArtificial.net" id="92" name="Google Shape;92;p3"/>
           <p:cNvPicPr preferRelativeResize="0"/>
           <p:nvPr/>
         </p:nvPicPr>
@@ -9787,12 +10068,12 @@
 </p:sld>
 </file>
 
-<file path=ppt/slides/slide4.xml><?xml version="1.0" encoding="utf-8"?>
+<file path=ppt/slides/slide5.xml><?xml version="1.0" encoding="utf-8"?>
 <p:sld xmlns:a="http://schemas.openxmlformats.org/drawingml/2006/main" xmlns:r="http://schemas.openxmlformats.org/officeDocument/2006/relationships" xmlns:mc="http://schemas.openxmlformats.org/markup-compatibility/2006" xmlns:mv="urn:schemas-microsoft-com:mac:vml" xmlns:p="http://schemas.openxmlformats.org/presentationml/2006/main" xmlns:c="http://schemas.openxmlformats.org/drawingml/2006/chart" xmlns:dgm="http://schemas.openxmlformats.org/drawingml/2006/diagram" xmlns:o="urn:schemas-microsoft-com:office:office" xmlns:v="urn:schemas-microsoft-com:vml" xmlns:pvml="urn:schemas-microsoft-com:office:powerpoint" xmlns:com="http://schemas.openxmlformats.org/drawingml/2006/compatibility" xmlns:p14="http://schemas.microsoft.com/office/powerpoint/2010/main" xmlns:p15="http://schemas.microsoft.com/office/powerpoint/2012/main" xmlns:ahyp="http://schemas.microsoft.com/office/drawing/2018/hyperlinkcolor">
   <p:cSld>
     <p:spTree>
       <p:nvGrpSpPr>
-        <p:cNvPr id="90" name="Shape 90"/>
+        <p:cNvPr id="97" name="Shape 97"/>
         <p:cNvGrpSpPr/>
         <p:nvPr/>
       </p:nvGrpSpPr>
@@ -9806,7 +10087,7 @@
       </p:grpSpPr>
       <p:sp>
         <p:nvSpPr>
-          <p:cNvPr id="91" name="Google Shape;91;p4"/>
+          <p:cNvPr id="98" name="Google Shape;98;p4"/>
           <p:cNvSpPr txBox="1"/>
           <p:nvPr/>
         </p:nvSpPr>
@@ -9867,7 +10148,7 @@
       </p:sp>
       <p:sp>
         <p:nvSpPr>
-          <p:cNvPr id="92" name="Google Shape;92;p4"/>
+          <p:cNvPr id="99" name="Google Shape;99;p4"/>
           <p:cNvSpPr txBox="1"/>
           <p:nvPr/>
         </p:nvSpPr>
@@ -10077,134 +10358,22 @@
       </p:sp>
       <p:pic>
         <p:nvPicPr>
-          <p:cNvPr descr="Image for post" id="93" name="Google Shape;93;p4"/>
+          <p:cNvPr id="100" name="Google Shape;100;p4"/>
           <p:cNvPicPr preferRelativeResize="0"/>
           <p:nvPr/>
         </p:nvPicPr>
-        <p:blipFill rotWithShape="1">
+        <p:blipFill>
           <a:blip r:embed="rId3">
             <a:alphaModFix/>
           </a:blip>
-          <a:srcRect b="0" l="0" r="0" t="0"/>
-          <a:stretch/>
+          <a:stretch>
+            <a:fillRect/>
+          </a:stretch>
         </p:blipFill>
         <p:spPr>
           <a:xfrm>
-            <a:off x="6465960" y="2103480"/>
-            <a:ext cx="5014440" cy="2670480"/>
-          </a:xfrm>
-          <a:prstGeom prst="rect">
-            <a:avLst/>
-          </a:prstGeom>
-          <a:noFill/>
-          <a:ln>
-            <a:noFill/>
-          </a:ln>
-        </p:spPr>
-      </p:pic>
-    </p:spTree>
-  </p:cSld>
-  <p:clrMapOvr>
-    <a:masterClrMapping/>
-  </p:clrMapOvr>
-</p:sld>
-</file>
-
-<file path=ppt/slides/slide5.xml><?xml version="1.0" encoding="utf-8"?>
-<p:sld xmlns:a="http://schemas.openxmlformats.org/drawingml/2006/main" xmlns:r="http://schemas.openxmlformats.org/officeDocument/2006/relationships" xmlns:mc="http://schemas.openxmlformats.org/markup-compatibility/2006" xmlns:mv="urn:schemas-microsoft-com:mac:vml" xmlns:p="http://schemas.openxmlformats.org/presentationml/2006/main" xmlns:c="http://schemas.openxmlformats.org/drawingml/2006/chart" xmlns:dgm="http://schemas.openxmlformats.org/drawingml/2006/diagram" xmlns:o="urn:schemas-microsoft-com:office:office" xmlns:v="urn:schemas-microsoft-com:vml" xmlns:pvml="urn:schemas-microsoft-com:office:powerpoint" xmlns:com="http://schemas.openxmlformats.org/drawingml/2006/compatibility" xmlns:p14="http://schemas.microsoft.com/office/powerpoint/2010/main" xmlns:p15="http://schemas.microsoft.com/office/powerpoint/2012/main" xmlns:ahyp="http://schemas.microsoft.com/office/drawing/2018/hyperlinkcolor">
-  <p:cSld>
-    <p:spTree>
-      <p:nvGrpSpPr>
-        <p:cNvPr id="98" name="Shape 98"/>
-        <p:cNvGrpSpPr/>
-        <p:nvPr/>
-      </p:nvGrpSpPr>
-      <p:grpSpPr>
-        <a:xfrm>
-          <a:off x="0" y="0"/>
-          <a:ext cx="0" cy="0"/>
-          <a:chOff x="0" y="0"/>
-          <a:chExt cx="0" cy="0"/>
-        </a:xfrm>
-      </p:grpSpPr>
-      <p:sp>
-        <p:nvSpPr>
-          <p:cNvPr id="99" name="Google Shape;99;p6"/>
-          <p:cNvSpPr txBox="1"/>
-          <p:nvPr/>
-        </p:nvSpPr>
-        <p:spPr>
-          <a:xfrm>
-            <a:off x="838080" y="365040"/>
-            <a:ext cx="10515240" cy="1325160"/>
-          </a:xfrm>
-          <a:prstGeom prst="rect">
-            <a:avLst/>
-          </a:prstGeom>
-          <a:noFill/>
-          <a:ln>
-            <a:noFill/>
-          </a:ln>
-        </p:spPr>
-        <p:txBody>
-          <a:bodyPr anchorCtr="0" anchor="ctr" bIns="45700" lIns="91425" spcFirstLastPara="1" rIns="91425" wrap="square" tIns="45700">
-            <a:noAutofit/>
-          </a:bodyPr>
-          <a:lstStyle/>
-          <a:p>
-            <a:pPr indent="0" lvl="0" marL="0" marR="0" rtl="0" algn="l">
-              <a:lnSpc>
-                <a:spcPct val="90000"/>
-              </a:lnSpc>
-              <a:spcBef>
-                <a:spcPts val="0"/>
-              </a:spcBef>
-              <a:spcAft>
-                <a:spcPts val="0"/>
-              </a:spcAft>
-              <a:buNone/>
-            </a:pPr>
-            <a:r>
-              <a:rPr b="0" lang="es-ES" sz="4400" strike="noStrike">
-                <a:solidFill>
-                  <a:srgbClr val="FF0000"/>
-                </a:solidFill>
-                <a:latin typeface="Calibri"/>
-                <a:ea typeface="Calibri"/>
-                <a:cs typeface="Calibri"/>
-                <a:sym typeface="Calibri"/>
-              </a:rPr>
-              <a:t>Regresión logística vs Regresión lineal</a:t>
-            </a:r>
-            <a:endParaRPr b="0" sz="4400" strike="noStrike">
-              <a:solidFill>
-                <a:srgbClr val="FFFFFF"/>
-              </a:solidFill>
-              <a:latin typeface="Calibri"/>
-              <a:ea typeface="Calibri"/>
-              <a:cs typeface="Calibri"/>
-              <a:sym typeface="Calibri"/>
-            </a:endParaRPr>
-          </a:p>
-        </p:txBody>
-      </p:sp>
-      <p:pic>
-        <p:nvPicPr>
-          <p:cNvPr descr="Introduction to Logistic Regression | by Ayush Pant | Towards Data Science" id="100" name="Google Shape;100;p6"/>
-          <p:cNvPicPr preferRelativeResize="0"/>
-          <p:nvPr/>
-        </p:nvPicPr>
-        <p:blipFill rotWithShape="1">
-          <a:blip r:embed="rId3">
-            <a:alphaModFix/>
-          </a:blip>
-          <a:srcRect b="0" l="0" r="0" t="0"/>
-          <a:stretch/>
-        </p:blipFill>
-        <p:spPr>
-          <a:xfrm>
-            <a:off x="1497240" y="1690560"/>
-            <a:ext cx="9759240" cy="4323960"/>
+            <a:off x="6476515" y="2218925"/>
+            <a:ext cx="4876800" cy="2609850"/>
           </a:xfrm>
           <a:prstGeom prst="rect">
             <a:avLst/>
@@ -10492,7 +10661,552 @@
       </p:grpSpPr>
       <p:sp>
         <p:nvSpPr>
-          <p:cNvPr id="114" name="Google Shape;114;p9"/>
+          <p:cNvPr id="114" name="Google Shape;114;ga8a5ec0735_0_1"/>
+          <p:cNvSpPr txBox="1"/>
+          <p:nvPr/>
+        </p:nvSpPr>
+        <p:spPr>
+          <a:xfrm>
+            <a:off x="838080" y="365040"/>
+            <a:ext cx="10515300" cy="1325100"/>
+          </a:xfrm>
+          <a:prstGeom prst="rect">
+            <a:avLst/>
+          </a:prstGeom>
+          <a:noFill/>
+          <a:ln>
+            <a:noFill/>
+          </a:ln>
+        </p:spPr>
+        <p:txBody>
+          <a:bodyPr anchorCtr="0" anchor="ctr" bIns="45700" lIns="91425" spcFirstLastPara="1" rIns="91425" wrap="square" tIns="45700">
+            <a:noAutofit/>
+          </a:bodyPr>
+          <a:lstStyle/>
+          <a:p>
+            <a:pPr indent="0" lvl="0" marL="0" marR="0" rtl="0" algn="l">
+              <a:lnSpc>
+                <a:spcPct val="90000"/>
+              </a:lnSpc>
+              <a:spcBef>
+                <a:spcPts val="0"/>
+              </a:spcBef>
+              <a:spcAft>
+                <a:spcPts val="0"/>
+              </a:spcAft>
+              <a:buNone/>
+            </a:pPr>
+            <a:r>
+              <a:rPr lang="es-ES" sz="4400">
+                <a:solidFill>
+                  <a:srgbClr val="FF0000"/>
+                </a:solidFill>
+                <a:latin typeface="Calibri"/>
+                <a:ea typeface="Calibri"/>
+                <a:cs typeface="Calibri"/>
+                <a:sym typeface="Calibri"/>
+              </a:rPr>
+              <a:t>Multiclase</a:t>
+            </a:r>
+            <a:endParaRPr b="0" sz="4400" strike="noStrike">
+              <a:solidFill>
+                <a:srgbClr val="FFFFFF"/>
+              </a:solidFill>
+              <a:latin typeface="Calibri"/>
+              <a:ea typeface="Calibri"/>
+              <a:cs typeface="Calibri"/>
+              <a:sym typeface="Calibri"/>
+            </a:endParaRPr>
+          </a:p>
+        </p:txBody>
+      </p:sp>
+      <p:sp>
+        <p:nvSpPr>
+          <p:cNvPr id="115" name="Google Shape;115;ga8a5ec0735_0_1"/>
+          <p:cNvSpPr txBox="1"/>
+          <p:nvPr/>
+        </p:nvSpPr>
+        <p:spPr>
+          <a:xfrm>
+            <a:off x="838076" y="2006275"/>
+            <a:ext cx="4537800" cy="4410900"/>
+          </a:xfrm>
+          <a:prstGeom prst="rect">
+            <a:avLst/>
+          </a:prstGeom>
+          <a:noFill/>
+          <a:ln>
+            <a:noFill/>
+          </a:ln>
+        </p:spPr>
+        <p:txBody>
+          <a:bodyPr anchorCtr="0" anchor="t" bIns="45700" lIns="91425" spcFirstLastPara="1" rIns="91425" wrap="square" tIns="45700">
+            <a:noAutofit/>
+          </a:bodyPr>
+          <a:lstStyle/>
+          <a:p>
+            <a:pPr indent="0" lvl="0" marL="0" marR="0" rtl="0" algn="l">
+              <a:lnSpc>
+                <a:spcPct val="90000"/>
+              </a:lnSpc>
+              <a:spcBef>
+                <a:spcPts val="1001"/>
+              </a:spcBef>
+              <a:spcAft>
+                <a:spcPts val="0"/>
+              </a:spcAft>
+              <a:buNone/>
+            </a:pPr>
+            <a:r>
+              <a:rPr b="1" lang="es-ES" sz="2000" u="sng">
+                <a:solidFill>
+                  <a:srgbClr val="FFFFFF"/>
+                </a:solidFill>
+                <a:latin typeface="Calibri"/>
+                <a:ea typeface="Calibri"/>
+                <a:cs typeface="Calibri"/>
+                <a:sym typeface="Calibri"/>
+              </a:rPr>
+              <a:t>OVR (One vs Rest)</a:t>
+            </a:r>
+            <a:endParaRPr b="1" sz="2000" u="sng">
+              <a:solidFill>
+                <a:srgbClr val="FFFFFF"/>
+              </a:solidFill>
+              <a:latin typeface="Calibri"/>
+              <a:ea typeface="Calibri"/>
+              <a:cs typeface="Calibri"/>
+              <a:sym typeface="Calibri"/>
+            </a:endParaRPr>
+          </a:p>
+          <a:p>
+            <a:pPr indent="0" lvl="0" marL="0" marR="0" rtl="0" algn="l">
+              <a:lnSpc>
+                <a:spcPct val="90000"/>
+              </a:lnSpc>
+              <a:spcBef>
+                <a:spcPts val="1001"/>
+              </a:spcBef>
+              <a:spcAft>
+                <a:spcPts val="0"/>
+              </a:spcAft>
+              <a:buNone/>
+            </a:pPr>
+            <a:r>
+              <a:rPr lang="es-ES" sz="1800">
+                <a:solidFill>
+                  <a:srgbClr val="FFFFFF"/>
+                </a:solidFill>
+                <a:latin typeface="Calibri"/>
+                <a:ea typeface="Calibri"/>
+                <a:cs typeface="Calibri"/>
+                <a:sym typeface="Calibri"/>
+              </a:rPr>
+              <a:t>Se crea un clasificador para cada clase</a:t>
+            </a:r>
+            <a:endParaRPr sz="1800">
+              <a:solidFill>
+                <a:srgbClr val="FFFFFF"/>
+              </a:solidFill>
+              <a:latin typeface="Calibri"/>
+              <a:ea typeface="Calibri"/>
+              <a:cs typeface="Calibri"/>
+              <a:sym typeface="Calibri"/>
+            </a:endParaRPr>
+          </a:p>
+          <a:p>
+            <a:pPr indent="0" lvl="0" marL="0" marR="0" rtl="0" algn="l">
+              <a:lnSpc>
+                <a:spcPct val="90000"/>
+              </a:lnSpc>
+              <a:spcBef>
+                <a:spcPts val="1001"/>
+              </a:spcBef>
+              <a:spcAft>
+                <a:spcPts val="0"/>
+              </a:spcAft>
+              <a:buNone/>
+            </a:pPr>
+            <a:r>
+              <a:rPr lang="es-ES" sz="1800">
+                <a:solidFill>
+                  <a:srgbClr val="FFFFFF"/>
+                </a:solidFill>
+                <a:latin typeface="Calibri"/>
+                <a:ea typeface="Calibri"/>
+                <a:cs typeface="Calibri"/>
+                <a:sym typeface="Calibri"/>
+              </a:rPr>
+              <a:t>Se computa el output del clasificador con el máximo de cada uno de los clasificadores OVR.</a:t>
+            </a:r>
+            <a:endParaRPr sz="1800">
+              <a:solidFill>
+                <a:srgbClr val="FFFFFF"/>
+              </a:solidFill>
+              <a:latin typeface="Calibri"/>
+              <a:ea typeface="Calibri"/>
+              <a:cs typeface="Calibri"/>
+              <a:sym typeface="Calibri"/>
+            </a:endParaRPr>
+          </a:p>
+          <a:p>
+            <a:pPr indent="0" lvl="0" marL="0" marR="0" rtl="0" algn="l">
+              <a:lnSpc>
+                <a:spcPct val="90000"/>
+              </a:lnSpc>
+              <a:spcBef>
+                <a:spcPts val="1001"/>
+              </a:spcBef>
+              <a:spcAft>
+                <a:spcPts val="0"/>
+              </a:spcAft>
+              <a:buNone/>
+            </a:pPr>
+            <a:r>
+              <a:t/>
+            </a:r>
+            <a:endParaRPr sz="1800">
+              <a:solidFill>
+                <a:srgbClr val="FFFFFF"/>
+              </a:solidFill>
+              <a:latin typeface="Calibri"/>
+              <a:ea typeface="Calibri"/>
+              <a:cs typeface="Calibri"/>
+              <a:sym typeface="Calibri"/>
+            </a:endParaRPr>
+          </a:p>
+          <a:p>
+            <a:pPr indent="0" lvl="0" marL="0" marR="0" rtl="0" algn="l">
+              <a:lnSpc>
+                <a:spcPct val="90000"/>
+              </a:lnSpc>
+              <a:spcBef>
+                <a:spcPts val="1001"/>
+              </a:spcBef>
+              <a:spcAft>
+                <a:spcPts val="0"/>
+              </a:spcAft>
+              <a:buNone/>
+            </a:pPr>
+            <a:r>
+              <a:rPr lang="es-ES" sz="1800">
+                <a:solidFill>
+                  <a:srgbClr val="FFFFFF"/>
+                </a:solidFill>
+                <a:latin typeface="Calibri"/>
+                <a:ea typeface="Calibri"/>
+                <a:cs typeface="Calibri"/>
+                <a:sym typeface="Calibri"/>
+              </a:rPr>
+              <a:t>from sklearn.multiclass import OneVsRestClassifier</a:t>
+            </a:r>
+            <a:endParaRPr sz="1800">
+              <a:solidFill>
+                <a:srgbClr val="FFFFFF"/>
+              </a:solidFill>
+              <a:latin typeface="Calibri"/>
+              <a:ea typeface="Calibri"/>
+              <a:cs typeface="Calibri"/>
+              <a:sym typeface="Calibri"/>
+            </a:endParaRPr>
+          </a:p>
+          <a:p>
+            <a:pPr indent="0" lvl="0" marL="0" marR="0" rtl="0" algn="l">
+              <a:lnSpc>
+                <a:spcPct val="90000"/>
+              </a:lnSpc>
+              <a:spcBef>
+                <a:spcPts val="1001"/>
+              </a:spcBef>
+              <a:spcAft>
+                <a:spcPts val="0"/>
+              </a:spcAft>
+              <a:buNone/>
+            </a:pPr>
+            <a:r>
+              <a:rPr lang="es-ES" sz="1800">
+                <a:solidFill>
+                  <a:srgbClr val="FFFFFF"/>
+                </a:solidFill>
+                <a:latin typeface="Calibri"/>
+                <a:ea typeface="Calibri"/>
+                <a:cs typeface="Calibri"/>
+                <a:sym typeface="Calibri"/>
+              </a:rPr>
+              <a:t>ovr_clf = OneVsRestClassifier(SVC())</a:t>
+            </a:r>
+            <a:endParaRPr sz="1800">
+              <a:solidFill>
+                <a:srgbClr val="FFFFFF"/>
+              </a:solidFill>
+              <a:latin typeface="Calibri"/>
+              <a:ea typeface="Calibri"/>
+              <a:cs typeface="Calibri"/>
+              <a:sym typeface="Calibri"/>
+            </a:endParaRPr>
+          </a:p>
+        </p:txBody>
+      </p:sp>
+      <p:sp>
+        <p:nvSpPr>
+          <p:cNvPr id="116" name="Google Shape;116;ga8a5ec0735_0_1"/>
+          <p:cNvSpPr txBox="1"/>
+          <p:nvPr/>
+        </p:nvSpPr>
+        <p:spPr>
+          <a:xfrm>
+            <a:off x="6574826" y="1952525"/>
+            <a:ext cx="4537800" cy="4410900"/>
+          </a:xfrm>
+          <a:prstGeom prst="rect">
+            <a:avLst/>
+          </a:prstGeom>
+          <a:noFill/>
+          <a:ln>
+            <a:noFill/>
+          </a:ln>
+        </p:spPr>
+        <p:txBody>
+          <a:bodyPr anchorCtr="0" anchor="t" bIns="45700" lIns="91425" spcFirstLastPara="1" rIns="91425" wrap="square" tIns="45700">
+            <a:noAutofit/>
+          </a:bodyPr>
+          <a:lstStyle/>
+          <a:p>
+            <a:pPr indent="0" lvl="0" marL="0" marR="0" rtl="0" algn="l">
+              <a:lnSpc>
+                <a:spcPct val="90000"/>
+              </a:lnSpc>
+              <a:spcBef>
+                <a:spcPts val="1001"/>
+              </a:spcBef>
+              <a:spcAft>
+                <a:spcPts val="0"/>
+              </a:spcAft>
+              <a:buNone/>
+            </a:pPr>
+            <a:r>
+              <a:rPr b="1" lang="es-ES" sz="2000" u="sng">
+                <a:solidFill>
+                  <a:srgbClr val="FFFFFF"/>
+                </a:solidFill>
+                <a:latin typeface="Calibri"/>
+                <a:ea typeface="Calibri"/>
+                <a:cs typeface="Calibri"/>
+                <a:sym typeface="Calibri"/>
+              </a:rPr>
+              <a:t>OVO (One vs Other)</a:t>
+            </a:r>
+            <a:endParaRPr b="1" sz="2000" u="sng">
+              <a:solidFill>
+                <a:srgbClr val="FFFFFF"/>
+              </a:solidFill>
+              <a:latin typeface="Calibri"/>
+              <a:ea typeface="Calibri"/>
+              <a:cs typeface="Calibri"/>
+              <a:sym typeface="Calibri"/>
+            </a:endParaRPr>
+          </a:p>
+          <a:p>
+            <a:pPr indent="0" lvl="0" marL="0" marR="0" rtl="0" algn="l">
+              <a:lnSpc>
+                <a:spcPct val="90000"/>
+              </a:lnSpc>
+              <a:spcBef>
+                <a:spcPts val="1001"/>
+              </a:spcBef>
+              <a:spcAft>
+                <a:spcPts val="0"/>
+              </a:spcAft>
+              <a:buNone/>
+            </a:pPr>
+            <a:r>
+              <a:rPr lang="es-ES" sz="1800">
+                <a:solidFill>
+                  <a:srgbClr val="FFFFFF"/>
+                </a:solidFill>
+                <a:latin typeface="Calibri"/>
+                <a:ea typeface="Calibri"/>
+                <a:cs typeface="Calibri"/>
+                <a:sym typeface="Calibri"/>
+              </a:rPr>
+              <a:t>Se crea un clasificador binario para cada par de clases.</a:t>
+            </a:r>
+            <a:endParaRPr sz="1800">
+              <a:solidFill>
+                <a:srgbClr val="FFFFFF"/>
+              </a:solidFill>
+              <a:latin typeface="Calibri"/>
+              <a:ea typeface="Calibri"/>
+              <a:cs typeface="Calibri"/>
+              <a:sym typeface="Calibri"/>
+            </a:endParaRPr>
+          </a:p>
+          <a:p>
+            <a:pPr indent="0" lvl="0" marL="0" marR="0" rtl="0" algn="l">
+              <a:lnSpc>
+                <a:spcPct val="90000"/>
+              </a:lnSpc>
+              <a:spcBef>
+                <a:spcPts val="1001"/>
+              </a:spcBef>
+              <a:spcAft>
+                <a:spcPts val="0"/>
+              </a:spcAft>
+              <a:buNone/>
+            </a:pPr>
+            <a:r>
+              <a:rPr lang="es-ES" sz="1800">
+                <a:solidFill>
+                  <a:srgbClr val="FFFFFF"/>
+                </a:solidFill>
+                <a:latin typeface="Calibri"/>
+                <a:ea typeface="Calibri"/>
+                <a:cs typeface="Calibri"/>
+                <a:sym typeface="Calibri"/>
+              </a:rPr>
+              <a:t>Para N clases: N* (N-1)/2</a:t>
+            </a:r>
+            <a:endParaRPr sz="1800">
+              <a:solidFill>
+                <a:srgbClr val="FFFFFF"/>
+              </a:solidFill>
+              <a:latin typeface="Calibri"/>
+              <a:ea typeface="Calibri"/>
+              <a:cs typeface="Calibri"/>
+              <a:sym typeface="Calibri"/>
+            </a:endParaRPr>
+          </a:p>
+          <a:p>
+            <a:pPr indent="0" lvl="0" marL="0" marR="0" rtl="0" algn="l">
+              <a:lnSpc>
+                <a:spcPct val="90000"/>
+              </a:lnSpc>
+              <a:spcBef>
+                <a:spcPts val="1001"/>
+              </a:spcBef>
+              <a:spcAft>
+                <a:spcPts val="0"/>
+              </a:spcAft>
+              <a:buNone/>
+            </a:pPr>
+            <a:r>
+              <a:rPr lang="es-ES" sz="1800">
+                <a:solidFill>
+                  <a:srgbClr val="FFFFFF"/>
+                </a:solidFill>
+                <a:latin typeface="Calibri"/>
+                <a:ea typeface="Calibri"/>
+                <a:cs typeface="Calibri"/>
+                <a:sym typeface="Calibri"/>
+              </a:rPr>
+              <a:t>Es el que suele usar sklearn. </a:t>
+            </a:r>
+            <a:endParaRPr sz="1800">
+              <a:solidFill>
+                <a:srgbClr val="FFFFFF"/>
+              </a:solidFill>
+              <a:latin typeface="Calibri"/>
+              <a:ea typeface="Calibri"/>
+              <a:cs typeface="Calibri"/>
+              <a:sym typeface="Calibri"/>
+            </a:endParaRPr>
+          </a:p>
+          <a:p>
+            <a:pPr indent="0" lvl="0" marL="0" marR="0" rtl="0" algn="l">
+              <a:lnSpc>
+                <a:spcPct val="90000"/>
+              </a:lnSpc>
+              <a:spcBef>
+                <a:spcPts val="1001"/>
+              </a:spcBef>
+              <a:spcAft>
+                <a:spcPts val="0"/>
+              </a:spcAft>
+              <a:buNone/>
+            </a:pPr>
+            <a:r>
+              <a:t/>
+            </a:r>
+            <a:endParaRPr sz="1800">
+              <a:solidFill>
+                <a:srgbClr val="FFFFFF"/>
+              </a:solidFill>
+              <a:latin typeface="Calibri"/>
+              <a:ea typeface="Calibri"/>
+              <a:cs typeface="Calibri"/>
+              <a:sym typeface="Calibri"/>
+            </a:endParaRPr>
+          </a:p>
+          <a:p>
+            <a:pPr indent="0" lvl="0" marL="0" rtl="0" algn="l">
+              <a:lnSpc>
+                <a:spcPct val="90000"/>
+              </a:lnSpc>
+              <a:spcBef>
+                <a:spcPts val="1001"/>
+              </a:spcBef>
+              <a:spcAft>
+                <a:spcPts val="0"/>
+              </a:spcAft>
+              <a:buClr>
+                <a:schemeClr val="dk1"/>
+              </a:buClr>
+              <a:buSzPts val="1100"/>
+              <a:buFont typeface="Arial"/>
+              <a:buNone/>
+            </a:pPr>
+            <a:r>
+              <a:rPr lang="es-ES" sz="1800">
+                <a:solidFill>
+                  <a:schemeClr val="lt1"/>
+                </a:solidFill>
+                <a:latin typeface="Calibri"/>
+                <a:ea typeface="Calibri"/>
+                <a:cs typeface="Calibri"/>
+                <a:sym typeface="Calibri"/>
+              </a:rPr>
+              <a:t>Si queremos clasificar imágenes de números (0-9), necesitaremos 45 clasificadores.</a:t>
+            </a:r>
+            <a:endParaRPr sz="1800">
+              <a:solidFill>
+                <a:srgbClr val="FFFFFF"/>
+              </a:solidFill>
+              <a:latin typeface="Calibri"/>
+              <a:ea typeface="Calibri"/>
+              <a:cs typeface="Calibri"/>
+              <a:sym typeface="Calibri"/>
+            </a:endParaRPr>
+          </a:p>
+        </p:txBody>
+      </p:sp>
+    </p:spTree>
+  </p:cSld>
+  <p:clrMapOvr>
+    <a:masterClrMapping/>
+  </p:clrMapOvr>
+</p:sld>
+</file>
+
+<file path=ppt/slides/slide8.xml><?xml version="1.0" encoding="utf-8"?>
+<p:sld xmlns:a="http://schemas.openxmlformats.org/drawingml/2006/main" xmlns:r="http://schemas.openxmlformats.org/officeDocument/2006/relationships" xmlns:mc="http://schemas.openxmlformats.org/markup-compatibility/2006" xmlns:mv="urn:schemas-microsoft-com:mac:vml" xmlns:p="http://schemas.openxmlformats.org/presentationml/2006/main" xmlns:c="http://schemas.openxmlformats.org/drawingml/2006/chart" xmlns:dgm="http://schemas.openxmlformats.org/drawingml/2006/diagram" xmlns:o="urn:schemas-microsoft-com:office:office" xmlns:v="urn:schemas-microsoft-com:vml" xmlns:pvml="urn:schemas-microsoft-com:office:powerpoint" xmlns:com="http://schemas.openxmlformats.org/drawingml/2006/compatibility" xmlns:p14="http://schemas.microsoft.com/office/powerpoint/2010/main" xmlns:p15="http://schemas.microsoft.com/office/powerpoint/2012/main" xmlns:ahyp="http://schemas.microsoft.com/office/drawing/2018/hyperlinkcolor">
+  <p:cSld>
+    <p:spTree>
+      <p:nvGrpSpPr>
+        <p:cNvPr id="121" name="Shape 121"/>
+        <p:cNvGrpSpPr/>
+        <p:nvPr/>
+      </p:nvGrpSpPr>
+      <p:grpSpPr>
+        <a:xfrm>
+          <a:off x="0" y="0"/>
+          <a:ext cx="0" cy="0"/>
+          <a:chOff x="0" y="0"/>
+          <a:chExt cx="0" cy="0"/>
+        </a:xfrm>
+      </p:grpSpPr>
+      <p:sp>
+        <p:nvSpPr>
+          <p:cNvPr id="122" name="Google Shape;122;p9"/>
           <p:cNvSpPr txBox="1"/>
           <p:nvPr/>
         </p:nvSpPr>
